--- a/Thor/trunk/Thor2020/v1/doc/Programming Model.pptx
+++ b/Thor/trunk/Thor2020/v1/doc/Programming Model.pptx
@@ -8,6 +8,7 @@
     <p:sldId id="256" r:id="rId2"/>
     <p:sldId id="257" r:id="rId3"/>
     <p:sldId id="258" r:id="rId4"/>
+    <p:sldId id="259" r:id="rId5"/>
   </p:sldIdLst>
   <p:sldSz cx="12192000" cy="6858000"/>
   <p:notesSz cx="6858000" cy="9144000"/>
@@ -7306,6 +7307,1893 @@
 </p:sld>
 </file>
 
+<file path=ppt/slides/slide4.xml><?xml version="1.0" encoding="utf-8"?>
+<p:sld xmlns:a="http://schemas.openxmlformats.org/drawingml/2006/main" xmlns:r="http://schemas.openxmlformats.org/officeDocument/2006/relationships" xmlns:p="http://schemas.openxmlformats.org/presentationml/2006/main">
+  <p:cSld>
+    <p:spTree>
+      <p:nvGrpSpPr>
+        <p:cNvPr id="1" name=""/>
+        <p:cNvGrpSpPr/>
+        <p:nvPr/>
+      </p:nvGrpSpPr>
+      <p:grpSpPr>
+        <a:xfrm>
+          <a:off x="0" y="0"/>
+          <a:ext cx="0" cy="0"/>
+          <a:chOff x="0" y="0"/>
+          <a:chExt cx="0" cy="0"/>
+        </a:xfrm>
+      </p:grpSpPr>
+      <p:sp>
+        <p:nvSpPr>
+          <p:cNvPr id="2" name="Title 1">
+            <a:extLst>
+              <a:ext uri="{FF2B5EF4-FFF2-40B4-BE49-F238E27FC236}">
+                <a16:creationId xmlns:a16="http://schemas.microsoft.com/office/drawing/2014/main" id="{1DD3B55A-F546-415B-B07E-EB0A565C7EAE}"/>
+              </a:ext>
+            </a:extLst>
+          </p:cNvPr>
+          <p:cNvSpPr>
+            <a:spLocks noGrp="1"/>
+          </p:cNvSpPr>
+          <p:nvPr>
+            <p:ph type="title"/>
+          </p:nvPr>
+        </p:nvSpPr>
+        <p:spPr>
+          <a:xfrm>
+            <a:off x="435864" y="310261"/>
+            <a:ext cx="10515600" cy="485267"/>
+          </a:xfrm>
+        </p:spPr>
+        <p:txBody>
+          <a:bodyPr>
+            <a:normAutofit fontScale="90000"/>
+          </a:bodyPr>
+          <a:lstStyle/>
+          <a:p>
+            <a:r>
+              <a:rPr lang="en-CA" dirty="0"/>
+              <a:t>Multiply / Divide</a:t>
+            </a:r>
+          </a:p>
+        </p:txBody>
+      </p:sp>
+      <p:sp>
+        <p:nvSpPr>
+          <p:cNvPr id="5" name="Rectangle 4">
+            <a:extLst>
+              <a:ext uri="{FF2B5EF4-FFF2-40B4-BE49-F238E27FC236}">
+                <a16:creationId xmlns:a16="http://schemas.microsoft.com/office/drawing/2014/main" id="{8FCAC3A4-9BCB-4CF9-BC12-C804437EF16C}"/>
+              </a:ext>
+            </a:extLst>
+          </p:cNvPr>
+          <p:cNvSpPr/>
+          <p:nvPr/>
+        </p:nvSpPr>
+        <p:spPr>
+          <a:xfrm>
+            <a:off x="435864" y="2093976"/>
+            <a:ext cx="1008888" cy="914400"/>
+          </a:xfrm>
+          <a:prstGeom prst="rect">
+            <a:avLst/>
+          </a:prstGeom>
+        </p:spPr>
+        <p:style>
+          <a:lnRef idx="2">
+            <a:schemeClr val="accent1">
+              <a:shade val="50000"/>
+            </a:schemeClr>
+          </a:lnRef>
+          <a:fillRef idx="1">
+            <a:schemeClr val="accent1"/>
+          </a:fillRef>
+          <a:effectRef idx="0">
+            <a:schemeClr val="accent1"/>
+          </a:effectRef>
+          <a:fontRef idx="minor">
+            <a:schemeClr val="lt1"/>
+          </a:fontRef>
+        </p:style>
+        <p:txBody>
+          <a:bodyPr rtlCol="0" anchor="ctr"/>
+          <a:lstStyle/>
+          <a:p>
+            <a:pPr algn="ctr"/>
+            <a:r>
+              <a:rPr lang="en-CA" sz="1400" dirty="0" err="1"/>
+              <a:t>Mul</a:t>
+            </a:r>
+            <a:endParaRPr lang="en-CA" sz="1400" dirty="0"/>
+          </a:p>
+          <a:p>
+            <a:pPr algn="ctr"/>
+            <a:r>
+              <a:rPr lang="en-CA" sz="1400" dirty="0"/>
+              <a:t>(signed)</a:t>
+            </a:r>
+          </a:p>
+        </p:txBody>
+      </p:sp>
+      <p:sp>
+        <p:nvSpPr>
+          <p:cNvPr id="6" name="Rectangle 5">
+            <a:extLst>
+              <a:ext uri="{FF2B5EF4-FFF2-40B4-BE49-F238E27FC236}">
+                <a16:creationId xmlns:a16="http://schemas.microsoft.com/office/drawing/2014/main" id="{7267686C-CB47-49EC-82F2-21E48DD50B35}"/>
+              </a:ext>
+            </a:extLst>
+          </p:cNvPr>
+          <p:cNvSpPr/>
+          <p:nvPr/>
+        </p:nvSpPr>
+        <p:spPr>
+          <a:xfrm>
+            <a:off x="1597152" y="2093976"/>
+            <a:ext cx="1008888" cy="914400"/>
+          </a:xfrm>
+          <a:prstGeom prst="rect">
+            <a:avLst/>
+          </a:prstGeom>
+        </p:spPr>
+        <p:style>
+          <a:lnRef idx="2">
+            <a:schemeClr val="accent1">
+              <a:shade val="50000"/>
+            </a:schemeClr>
+          </a:lnRef>
+          <a:fillRef idx="1">
+            <a:schemeClr val="accent1"/>
+          </a:fillRef>
+          <a:effectRef idx="0">
+            <a:schemeClr val="accent1"/>
+          </a:effectRef>
+          <a:fontRef idx="minor">
+            <a:schemeClr val="lt1"/>
+          </a:fontRef>
+        </p:style>
+        <p:txBody>
+          <a:bodyPr rtlCol="0" anchor="ctr"/>
+          <a:lstStyle/>
+          <a:p>
+            <a:pPr algn="ctr"/>
+            <a:r>
+              <a:rPr lang="en-CA" sz="1400" dirty="0" err="1"/>
+              <a:t>Mul</a:t>
+            </a:r>
+            <a:endParaRPr lang="en-CA" sz="1400" dirty="0"/>
+          </a:p>
+          <a:p>
+            <a:pPr algn="ctr"/>
+            <a:r>
+              <a:rPr lang="en-CA" sz="1400" dirty="0"/>
+              <a:t>(unsigned)</a:t>
+            </a:r>
+          </a:p>
+        </p:txBody>
+      </p:sp>
+      <p:sp>
+        <p:nvSpPr>
+          <p:cNvPr id="7" name="Rectangle 6">
+            <a:extLst>
+              <a:ext uri="{FF2B5EF4-FFF2-40B4-BE49-F238E27FC236}">
+                <a16:creationId xmlns:a16="http://schemas.microsoft.com/office/drawing/2014/main" id="{735A6DFD-31A2-4DC3-B925-A7021234B00A}"/>
+              </a:ext>
+            </a:extLst>
+          </p:cNvPr>
+          <p:cNvSpPr/>
+          <p:nvPr/>
+        </p:nvSpPr>
+        <p:spPr>
+          <a:xfrm>
+            <a:off x="2758440" y="2093976"/>
+            <a:ext cx="1008888" cy="914400"/>
+          </a:xfrm>
+          <a:prstGeom prst="rect">
+            <a:avLst/>
+          </a:prstGeom>
+        </p:spPr>
+        <p:style>
+          <a:lnRef idx="2">
+            <a:schemeClr val="accent1">
+              <a:shade val="50000"/>
+            </a:schemeClr>
+          </a:lnRef>
+          <a:fillRef idx="1">
+            <a:schemeClr val="accent1"/>
+          </a:fillRef>
+          <a:effectRef idx="0">
+            <a:schemeClr val="accent1"/>
+          </a:effectRef>
+          <a:fontRef idx="minor">
+            <a:schemeClr val="lt1"/>
+          </a:fontRef>
+        </p:style>
+        <p:txBody>
+          <a:bodyPr rtlCol="0" anchor="ctr"/>
+          <a:lstStyle/>
+          <a:p>
+            <a:pPr algn="ctr"/>
+            <a:r>
+              <a:rPr lang="en-CA" sz="1400" dirty="0" err="1"/>
+              <a:t>Div</a:t>
+            </a:r>
+            <a:endParaRPr lang="en-CA" sz="1400" dirty="0"/>
+          </a:p>
+          <a:p>
+            <a:pPr algn="ctr"/>
+            <a:r>
+              <a:rPr lang="en-CA" sz="1400" dirty="0"/>
+              <a:t>(signed or unsigned)</a:t>
+            </a:r>
+          </a:p>
+        </p:txBody>
+      </p:sp>
+      <p:sp>
+        <p:nvSpPr>
+          <p:cNvPr id="8" name="Rectangle 7">
+            <a:extLst>
+              <a:ext uri="{FF2B5EF4-FFF2-40B4-BE49-F238E27FC236}">
+                <a16:creationId xmlns:a16="http://schemas.microsoft.com/office/drawing/2014/main" id="{55FB2CB9-5015-4F1B-91AC-3DFFDCF5A34B}"/>
+              </a:ext>
+            </a:extLst>
+          </p:cNvPr>
+          <p:cNvSpPr/>
+          <p:nvPr/>
+        </p:nvSpPr>
+        <p:spPr>
+          <a:xfrm>
+            <a:off x="435864" y="1179576"/>
+            <a:ext cx="3331464" cy="612648"/>
+          </a:xfrm>
+          <a:prstGeom prst="rect">
+            <a:avLst/>
+          </a:prstGeom>
+        </p:spPr>
+        <p:style>
+          <a:lnRef idx="2">
+            <a:schemeClr val="accent1">
+              <a:shade val="50000"/>
+            </a:schemeClr>
+          </a:lnRef>
+          <a:fillRef idx="1">
+            <a:schemeClr val="accent1"/>
+          </a:fillRef>
+          <a:effectRef idx="0">
+            <a:schemeClr val="accent1"/>
+          </a:effectRef>
+          <a:fontRef idx="minor">
+            <a:schemeClr val="lt1"/>
+          </a:fontRef>
+        </p:style>
+        <p:txBody>
+          <a:bodyPr rtlCol="0" anchor="ctr"/>
+          <a:lstStyle/>
+          <a:p>
+            <a:pPr algn="ctr"/>
+            <a:r>
+              <a:rPr lang="en-CA" dirty="0"/>
+              <a:t>Pipe 2</a:t>
+            </a:r>
+          </a:p>
+        </p:txBody>
+      </p:sp>
+      <p:sp>
+        <p:nvSpPr>
+          <p:cNvPr id="9" name="Rectangle 8">
+            <a:extLst>
+              <a:ext uri="{FF2B5EF4-FFF2-40B4-BE49-F238E27FC236}">
+                <a16:creationId xmlns:a16="http://schemas.microsoft.com/office/drawing/2014/main" id="{A60B8F2F-ED5F-4943-BD1C-64C005E0749E}"/>
+              </a:ext>
+            </a:extLst>
+          </p:cNvPr>
+          <p:cNvSpPr/>
+          <p:nvPr/>
+        </p:nvSpPr>
+        <p:spPr>
+          <a:xfrm>
+            <a:off x="4072128" y="2075689"/>
+            <a:ext cx="1008888" cy="914400"/>
+          </a:xfrm>
+          <a:prstGeom prst="rect">
+            <a:avLst/>
+          </a:prstGeom>
+        </p:spPr>
+        <p:style>
+          <a:lnRef idx="2">
+            <a:schemeClr val="accent1">
+              <a:shade val="50000"/>
+            </a:schemeClr>
+          </a:lnRef>
+          <a:fillRef idx="1">
+            <a:schemeClr val="accent1"/>
+          </a:fillRef>
+          <a:effectRef idx="0">
+            <a:schemeClr val="accent1"/>
+          </a:effectRef>
+          <a:fontRef idx="minor">
+            <a:schemeClr val="lt1"/>
+          </a:fontRef>
+        </p:style>
+        <p:txBody>
+          <a:bodyPr rtlCol="0" anchor="ctr"/>
+          <a:lstStyle/>
+          <a:p>
+            <a:pPr algn="ctr"/>
+            <a:r>
+              <a:rPr lang="en-CA" sz="1400" dirty="0" err="1"/>
+              <a:t>Mul</a:t>
+            </a:r>
+            <a:endParaRPr lang="en-CA" sz="1400" dirty="0"/>
+          </a:p>
+          <a:p>
+            <a:pPr algn="ctr"/>
+            <a:r>
+              <a:rPr lang="en-CA" sz="1400" dirty="0"/>
+              <a:t>(signed)</a:t>
+            </a:r>
+          </a:p>
+        </p:txBody>
+      </p:sp>
+      <p:sp>
+        <p:nvSpPr>
+          <p:cNvPr id="10" name="Rectangle 9">
+            <a:extLst>
+              <a:ext uri="{FF2B5EF4-FFF2-40B4-BE49-F238E27FC236}">
+                <a16:creationId xmlns:a16="http://schemas.microsoft.com/office/drawing/2014/main" id="{C5BA9D58-96E4-4A3C-8758-54D8DD80FDC2}"/>
+              </a:ext>
+            </a:extLst>
+          </p:cNvPr>
+          <p:cNvSpPr/>
+          <p:nvPr/>
+        </p:nvSpPr>
+        <p:spPr>
+          <a:xfrm>
+            <a:off x="5233416" y="2075689"/>
+            <a:ext cx="1008888" cy="914400"/>
+          </a:xfrm>
+          <a:prstGeom prst="rect">
+            <a:avLst/>
+          </a:prstGeom>
+        </p:spPr>
+        <p:style>
+          <a:lnRef idx="2">
+            <a:schemeClr val="accent1">
+              <a:shade val="50000"/>
+            </a:schemeClr>
+          </a:lnRef>
+          <a:fillRef idx="1">
+            <a:schemeClr val="accent1"/>
+          </a:fillRef>
+          <a:effectRef idx="0">
+            <a:schemeClr val="accent1"/>
+          </a:effectRef>
+          <a:fontRef idx="minor">
+            <a:schemeClr val="lt1"/>
+          </a:fontRef>
+        </p:style>
+        <p:txBody>
+          <a:bodyPr rtlCol="0" anchor="ctr"/>
+          <a:lstStyle/>
+          <a:p>
+            <a:pPr algn="ctr"/>
+            <a:r>
+              <a:rPr lang="en-CA" sz="1400" dirty="0" err="1"/>
+              <a:t>Mul</a:t>
+            </a:r>
+            <a:endParaRPr lang="en-CA" sz="1400" dirty="0"/>
+          </a:p>
+          <a:p>
+            <a:pPr algn="ctr"/>
+            <a:r>
+              <a:rPr lang="en-CA" sz="1400" dirty="0"/>
+              <a:t>(unsigned)</a:t>
+            </a:r>
+          </a:p>
+        </p:txBody>
+      </p:sp>
+      <p:sp>
+        <p:nvSpPr>
+          <p:cNvPr id="11" name="Rectangle 10">
+            <a:extLst>
+              <a:ext uri="{FF2B5EF4-FFF2-40B4-BE49-F238E27FC236}">
+                <a16:creationId xmlns:a16="http://schemas.microsoft.com/office/drawing/2014/main" id="{D2610ECC-1F92-42BE-BE17-BD624F29A247}"/>
+              </a:ext>
+            </a:extLst>
+          </p:cNvPr>
+          <p:cNvSpPr/>
+          <p:nvPr/>
+        </p:nvSpPr>
+        <p:spPr>
+          <a:xfrm>
+            <a:off x="6394704" y="2075689"/>
+            <a:ext cx="1008888" cy="914400"/>
+          </a:xfrm>
+          <a:prstGeom prst="rect">
+            <a:avLst/>
+          </a:prstGeom>
+        </p:spPr>
+        <p:style>
+          <a:lnRef idx="2">
+            <a:schemeClr val="accent1">
+              <a:shade val="50000"/>
+            </a:schemeClr>
+          </a:lnRef>
+          <a:fillRef idx="1">
+            <a:schemeClr val="accent1"/>
+          </a:fillRef>
+          <a:effectRef idx="0">
+            <a:schemeClr val="accent1"/>
+          </a:effectRef>
+          <a:fontRef idx="minor">
+            <a:schemeClr val="lt1"/>
+          </a:fontRef>
+        </p:style>
+        <p:txBody>
+          <a:bodyPr rtlCol="0" anchor="ctr"/>
+          <a:lstStyle/>
+          <a:p>
+            <a:pPr algn="ctr"/>
+            <a:r>
+              <a:rPr lang="en-CA" sz="1400" dirty="0" err="1"/>
+              <a:t>Div</a:t>
+            </a:r>
+            <a:endParaRPr lang="en-CA" sz="1400" dirty="0"/>
+          </a:p>
+          <a:p>
+            <a:pPr algn="ctr"/>
+            <a:r>
+              <a:rPr lang="en-CA" sz="1400" dirty="0"/>
+              <a:t>(signed or unsigned)</a:t>
+            </a:r>
+          </a:p>
+        </p:txBody>
+      </p:sp>
+      <p:sp>
+        <p:nvSpPr>
+          <p:cNvPr id="12" name="Rectangle 11">
+            <a:extLst>
+              <a:ext uri="{FF2B5EF4-FFF2-40B4-BE49-F238E27FC236}">
+                <a16:creationId xmlns:a16="http://schemas.microsoft.com/office/drawing/2014/main" id="{DEFADE80-F2B4-4EEB-9DCF-4C4E1D119BE8}"/>
+              </a:ext>
+            </a:extLst>
+          </p:cNvPr>
+          <p:cNvSpPr/>
+          <p:nvPr/>
+        </p:nvSpPr>
+        <p:spPr>
+          <a:xfrm>
+            <a:off x="4072128" y="1161289"/>
+            <a:ext cx="3331464" cy="612648"/>
+          </a:xfrm>
+          <a:prstGeom prst="rect">
+            <a:avLst/>
+          </a:prstGeom>
+        </p:spPr>
+        <p:style>
+          <a:lnRef idx="2">
+            <a:schemeClr val="accent1">
+              <a:shade val="50000"/>
+            </a:schemeClr>
+          </a:lnRef>
+          <a:fillRef idx="1">
+            <a:schemeClr val="accent1"/>
+          </a:fillRef>
+          <a:effectRef idx="0">
+            <a:schemeClr val="accent1"/>
+          </a:effectRef>
+          <a:fontRef idx="minor">
+            <a:schemeClr val="lt1"/>
+          </a:fontRef>
+        </p:style>
+        <p:txBody>
+          <a:bodyPr rtlCol="0" anchor="ctr"/>
+          <a:lstStyle/>
+          <a:p>
+            <a:pPr algn="ctr"/>
+            <a:r>
+              <a:rPr lang="en-CA" dirty="0"/>
+              <a:t>Pipe 1</a:t>
+            </a:r>
+          </a:p>
+        </p:txBody>
+      </p:sp>
+      <p:sp>
+        <p:nvSpPr>
+          <p:cNvPr id="13" name="Rectangle 12">
+            <a:extLst>
+              <a:ext uri="{FF2B5EF4-FFF2-40B4-BE49-F238E27FC236}">
+                <a16:creationId xmlns:a16="http://schemas.microsoft.com/office/drawing/2014/main" id="{E5A96445-F7BD-4AD9-8531-0D56CE85554E}"/>
+              </a:ext>
+            </a:extLst>
+          </p:cNvPr>
+          <p:cNvSpPr/>
+          <p:nvPr/>
+        </p:nvSpPr>
+        <p:spPr>
+          <a:xfrm>
+            <a:off x="7712964" y="2093976"/>
+            <a:ext cx="1008888" cy="914400"/>
+          </a:xfrm>
+          <a:prstGeom prst="rect">
+            <a:avLst/>
+          </a:prstGeom>
+        </p:spPr>
+        <p:style>
+          <a:lnRef idx="2">
+            <a:schemeClr val="accent1">
+              <a:shade val="50000"/>
+            </a:schemeClr>
+          </a:lnRef>
+          <a:fillRef idx="1">
+            <a:schemeClr val="accent1"/>
+          </a:fillRef>
+          <a:effectRef idx="0">
+            <a:schemeClr val="accent1"/>
+          </a:effectRef>
+          <a:fontRef idx="minor">
+            <a:schemeClr val="lt1"/>
+          </a:fontRef>
+        </p:style>
+        <p:txBody>
+          <a:bodyPr rtlCol="0" anchor="ctr"/>
+          <a:lstStyle/>
+          <a:p>
+            <a:pPr algn="ctr"/>
+            <a:r>
+              <a:rPr lang="en-CA" sz="1400" dirty="0" err="1"/>
+              <a:t>Mul</a:t>
+            </a:r>
+            <a:endParaRPr lang="en-CA" sz="1400" dirty="0"/>
+          </a:p>
+          <a:p>
+            <a:pPr algn="ctr"/>
+            <a:r>
+              <a:rPr lang="en-CA" sz="1400" dirty="0"/>
+              <a:t>(signed)</a:t>
+            </a:r>
+          </a:p>
+        </p:txBody>
+      </p:sp>
+      <p:sp>
+        <p:nvSpPr>
+          <p:cNvPr id="14" name="Rectangle 13">
+            <a:extLst>
+              <a:ext uri="{FF2B5EF4-FFF2-40B4-BE49-F238E27FC236}">
+                <a16:creationId xmlns:a16="http://schemas.microsoft.com/office/drawing/2014/main" id="{F84323C7-2805-4C10-BF79-5147A5426769}"/>
+              </a:ext>
+            </a:extLst>
+          </p:cNvPr>
+          <p:cNvSpPr/>
+          <p:nvPr/>
+        </p:nvSpPr>
+        <p:spPr>
+          <a:xfrm>
+            <a:off x="8874252" y="2093976"/>
+            <a:ext cx="1008888" cy="914400"/>
+          </a:xfrm>
+          <a:prstGeom prst="rect">
+            <a:avLst/>
+          </a:prstGeom>
+        </p:spPr>
+        <p:style>
+          <a:lnRef idx="2">
+            <a:schemeClr val="accent1">
+              <a:shade val="50000"/>
+            </a:schemeClr>
+          </a:lnRef>
+          <a:fillRef idx="1">
+            <a:schemeClr val="accent1"/>
+          </a:fillRef>
+          <a:effectRef idx="0">
+            <a:schemeClr val="accent1"/>
+          </a:effectRef>
+          <a:fontRef idx="minor">
+            <a:schemeClr val="lt1"/>
+          </a:fontRef>
+        </p:style>
+        <p:txBody>
+          <a:bodyPr rtlCol="0" anchor="ctr"/>
+          <a:lstStyle/>
+          <a:p>
+            <a:pPr algn="ctr"/>
+            <a:r>
+              <a:rPr lang="en-CA" sz="1400" dirty="0" err="1"/>
+              <a:t>Mul</a:t>
+            </a:r>
+            <a:endParaRPr lang="en-CA" sz="1400" dirty="0"/>
+          </a:p>
+          <a:p>
+            <a:pPr algn="ctr"/>
+            <a:r>
+              <a:rPr lang="en-CA" sz="1400" dirty="0"/>
+              <a:t>(unsigned)</a:t>
+            </a:r>
+          </a:p>
+        </p:txBody>
+      </p:sp>
+      <p:sp>
+        <p:nvSpPr>
+          <p:cNvPr id="15" name="Rectangle 14">
+            <a:extLst>
+              <a:ext uri="{FF2B5EF4-FFF2-40B4-BE49-F238E27FC236}">
+                <a16:creationId xmlns:a16="http://schemas.microsoft.com/office/drawing/2014/main" id="{31966474-B6E1-4AD8-AC94-DCFB03E5C192}"/>
+              </a:ext>
+            </a:extLst>
+          </p:cNvPr>
+          <p:cNvSpPr/>
+          <p:nvPr/>
+        </p:nvSpPr>
+        <p:spPr>
+          <a:xfrm>
+            <a:off x="10035540" y="2093976"/>
+            <a:ext cx="1008888" cy="914400"/>
+          </a:xfrm>
+          <a:prstGeom prst="rect">
+            <a:avLst/>
+          </a:prstGeom>
+        </p:spPr>
+        <p:style>
+          <a:lnRef idx="2">
+            <a:schemeClr val="accent1">
+              <a:shade val="50000"/>
+            </a:schemeClr>
+          </a:lnRef>
+          <a:fillRef idx="1">
+            <a:schemeClr val="accent1"/>
+          </a:fillRef>
+          <a:effectRef idx="0">
+            <a:schemeClr val="accent1"/>
+          </a:effectRef>
+          <a:fontRef idx="minor">
+            <a:schemeClr val="lt1"/>
+          </a:fontRef>
+        </p:style>
+        <p:txBody>
+          <a:bodyPr rtlCol="0" anchor="ctr"/>
+          <a:lstStyle/>
+          <a:p>
+            <a:pPr algn="ctr"/>
+            <a:r>
+              <a:rPr lang="en-CA" sz="1400" dirty="0" err="1"/>
+              <a:t>Div</a:t>
+            </a:r>
+            <a:endParaRPr lang="en-CA" sz="1400" dirty="0"/>
+          </a:p>
+          <a:p>
+            <a:pPr algn="ctr"/>
+            <a:r>
+              <a:rPr lang="en-CA" sz="1400" dirty="0"/>
+              <a:t>(signed or unsigned)</a:t>
+            </a:r>
+          </a:p>
+        </p:txBody>
+      </p:sp>
+      <p:sp>
+        <p:nvSpPr>
+          <p:cNvPr id="16" name="Rectangle 15">
+            <a:extLst>
+              <a:ext uri="{FF2B5EF4-FFF2-40B4-BE49-F238E27FC236}">
+                <a16:creationId xmlns:a16="http://schemas.microsoft.com/office/drawing/2014/main" id="{22E6F4C2-A003-427B-92B0-AFD9D511AA60}"/>
+              </a:ext>
+            </a:extLst>
+          </p:cNvPr>
+          <p:cNvSpPr/>
+          <p:nvPr/>
+        </p:nvSpPr>
+        <p:spPr>
+          <a:xfrm>
+            <a:off x="7712964" y="1179576"/>
+            <a:ext cx="3331464" cy="612648"/>
+          </a:xfrm>
+          <a:prstGeom prst="rect">
+            <a:avLst/>
+          </a:prstGeom>
+        </p:spPr>
+        <p:style>
+          <a:lnRef idx="2">
+            <a:schemeClr val="accent1">
+              <a:shade val="50000"/>
+            </a:schemeClr>
+          </a:lnRef>
+          <a:fillRef idx="1">
+            <a:schemeClr val="accent1"/>
+          </a:fillRef>
+          <a:effectRef idx="0">
+            <a:schemeClr val="accent1"/>
+          </a:effectRef>
+          <a:fontRef idx="minor">
+            <a:schemeClr val="lt1"/>
+          </a:fontRef>
+        </p:style>
+        <p:txBody>
+          <a:bodyPr rtlCol="0" anchor="ctr"/>
+          <a:lstStyle/>
+          <a:p>
+            <a:pPr algn="ctr"/>
+            <a:r>
+              <a:rPr lang="en-CA" dirty="0"/>
+              <a:t>Pipe 0</a:t>
+            </a:r>
+          </a:p>
+        </p:txBody>
+      </p:sp>
+      <p:sp>
+        <p:nvSpPr>
+          <p:cNvPr id="17" name="Arrow: Down 16">
+            <a:extLst>
+              <a:ext uri="{FF2B5EF4-FFF2-40B4-BE49-F238E27FC236}">
+                <a16:creationId xmlns:a16="http://schemas.microsoft.com/office/drawing/2014/main" id="{7C50B1B9-35B9-4245-ADD3-8743F60BB2D2}"/>
+              </a:ext>
+            </a:extLst>
+          </p:cNvPr>
+          <p:cNvSpPr/>
+          <p:nvPr/>
+        </p:nvSpPr>
+        <p:spPr>
+          <a:xfrm>
+            <a:off x="853440" y="1810511"/>
+            <a:ext cx="173736" cy="283465"/>
+          </a:xfrm>
+          <a:prstGeom prst="downArrow">
+            <a:avLst/>
+          </a:prstGeom>
+        </p:spPr>
+        <p:style>
+          <a:lnRef idx="2">
+            <a:schemeClr val="accent1">
+              <a:shade val="50000"/>
+            </a:schemeClr>
+          </a:lnRef>
+          <a:fillRef idx="1">
+            <a:schemeClr val="accent1"/>
+          </a:fillRef>
+          <a:effectRef idx="0">
+            <a:schemeClr val="accent1"/>
+          </a:effectRef>
+          <a:fontRef idx="minor">
+            <a:schemeClr val="lt1"/>
+          </a:fontRef>
+        </p:style>
+        <p:txBody>
+          <a:bodyPr rtlCol="0" anchor="ctr"/>
+          <a:lstStyle/>
+          <a:p>
+            <a:pPr algn="ctr"/>
+            <a:endParaRPr lang="en-CA"/>
+          </a:p>
+        </p:txBody>
+      </p:sp>
+      <p:sp>
+        <p:nvSpPr>
+          <p:cNvPr id="18" name="Arrow: Down 17">
+            <a:extLst>
+              <a:ext uri="{FF2B5EF4-FFF2-40B4-BE49-F238E27FC236}">
+                <a16:creationId xmlns:a16="http://schemas.microsoft.com/office/drawing/2014/main" id="{E107FF7A-6DF5-44A1-90F8-B803FE82A04B}"/>
+              </a:ext>
+            </a:extLst>
+          </p:cNvPr>
+          <p:cNvSpPr/>
+          <p:nvPr/>
+        </p:nvSpPr>
+        <p:spPr>
+          <a:xfrm>
+            <a:off x="2014728" y="1801367"/>
+            <a:ext cx="173736" cy="283465"/>
+          </a:xfrm>
+          <a:prstGeom prst="downArrow">
+            <a:avLst/>
+          </a:prstGeom>
+        </p:spPr>
+        <p:style>
+          <a:lnRef idx="2">
+            <a:schemeClr val="accent1">
+              <a:shade val="50000"/>
+            </a:schemeClr>
+          </a:lnRef>
+          <a:fillRef idx="1">
+            <a:schemeClr val="accent1"/>
+          </a:fillRef>
+          <a:effectRef idx="0">
+            <a:schemeClr val="accent1"/>
+          </a:effectRef>
+          <a:fontRef idx="minor">
+            <a:schemeClr val="lt1"/>
+          </a:fontRef>
+        </p:style>
+        <p:txBody>
+          <a:bodyPr rtlCol="0" anchor="ctr"/>
+          <a:lstStyle/>
+          <a:p>
+            <a:pPr algn="ctr"/>
+            <a:endParaRPr lang="en-CA"/>
+          </a:p>
+        </p:txBody>
+      </p:sp>
+      <p:sp>
+        <p:nvSpPr>
+          <p:cNvPr id="19" name="Arrow: Down 18">
+            <a:extLst>
+              <a:ext uri="{FF2B5EF4-FFF2-40B4-BE49-F238E27FC236}">
+                <a16:creationId xmlns:a16="http://schemas.microsoft.com/office/drawing/2014/main" id="{717CD50B-3E6B-4426-AA8B-8F2772CD350B}"/>
+              </a:ext>
+            </a:extLst>
+          </p:cNvPr>
+          <p:cNvSpPr/>
+          <p:nvPr/>
+        </p:nvSpPr>
+        <p:spPr>
+          <a:xfrm>
+            <a:off x="3176016" y="1810510"/>
+            <a:ext cx="173736" cy="283465"/>
+          </a:xfrm>
+          <a:prstGeom prst="downArrow">
+            <a:avLst/>
+          </a:prstGeom>
+        </p:spPr>
+        <p:style>
+          <a:lnRef idx="2">
+            <a:schemeClr val="accent1">
+              <a:shade val="50000"/>
+            </a:schemeClr>
+          </a:lnRef>
+          <a:fillRef idx="1">
+            <a:schemeClr val="accent1"/>
+          </a:fillRef>
+          <a:effectRef idx="0">
+            <a:schemeClr val="accent1"/>
+          </a:effectRef>
+          <a:fontRef idx="minor">
+            <a:schemeClr val="lt1"/>
+          </a:fontRef>
+        </p:style>
+        <p:txBody>
+          <a:bodyPr rtlCol="0" anchor="ctr"/>
+          <a:lstStyle/>
+          <a:p>
+            <a:pPr algn="ctr"/>
+            <a:endParaRPr lang="en-CA"/>
+          </a:p>
+        </p:txBody>
+      </p:sp>
+      <p:sp>
+        <p:nvSpPr>
+          <p:cNvPr id="20" name="Arrow: Down 19">
+            <a:extLst>
+              <a:ext uri="{FF2B5EF4-FFF2-40B4-BE49-F238E27FC236}">
+                <a16:creationId xmlns:a16="http://schemas.microsoft.com/office/drawing/2014/main" id="{96D4B178-62C8-486F-95EB-AD50249249CF}"/>
+              </a:ext>
+            </a:extLst>
+          </p:cNvPr>
+          <p:cNvSpPr/>
+          <p:nvPr/>
+        </p:nvSpPr>
+        <p:spPr>
+          <a:xfrm>
+            <a:off x="4489704" y="1792224"/>
+            <a:ext cx="173736" cy="283465"/>
+          </a:xfrm>
+          <a:prstGeom prst="downArrow">
+            <a:avLst/>
+          </a:prstGeom>
+        </p:spPr>
+        <p:style>
+          <a:lnRef idx="2">
+            <a:schemeClr val="accent1">
+              <a:shade val="50000"/>
+            </a:schemeClr>
+          </a:lnRef>
+          <a:fillRef idx="1">
+            <a:schemeClr val="accent1"/>
+          </a:fillRef>
+          <a:effectRef idx="0">
+            <a:schemeClr val="accent1"/>
+          </a:effectRef>
+          <a:fontRef idx="minor">
+            <a:schemeClr val="lt1"/>
+          </a:fontRef>
+        </p:style>
+        <p:txBody>
+          <a:bodyPr rtlCol="0" anchor="ctr"/>
+          <a:lstStyle/>
+          <a:p>
+            <a:pPr algn="ctr"/>
+            <a:endParaRPr lang="en-CA"/>
+          </a:p>
+        </p:txBody>
+      </p:sp>
+      <p:sp>
+        <p:nvSpPr>
+          <p:cNvPr id="21" name="Arrow: Down 20">
+            <a:extLst>
+              <a:ext uri="{FF2B5EF4-FFF2-40B4-BE49-F238E27FC236}">
+                <a16:creationId xmlns:a16="http://schemas.microsoft.com/office/drawing/2014/main" id="{4CB9A89B-FE8B-4A8D-9219-9A01B313F94E}"/>
+              </a:ext>
+            </a:extLst>
+          </p:cNvPr>
+          <p:cNvSpPr/>
+          <p:nvPr/>
+        </p:nvSpPr>
+        <p:spPr>
+          <a:xfrm>
+            <a:off x="5597652" y="1792223"/>
+            <a:ext cx="173736" cy="283465"/>
+          </a:xfrm>
+          <a:prstGeom prst="downArrow">
+            <a:avLst/>
+          </a:prstGeom>
+        </p:spPr>
+        <p:style>
+          <a:lnRef idx="2">
+            <a:schemeClr val="accent1">
+              <a:shade val="50000"/>
+            </a:schemeClr>
+          </a:lnRef>
+          <a:fillRef idx="1">
+            <a:schemeClr val="accent1"/>
+          </a:fillRef>
+          <a:effectRef idx="0">
+            <a:schemeClr val="accent1"/>
+          </a:effectRef>
+          <a:fontRef idx="minor">
+            <a:schemeClr val="lt1"/>
+          </a:fontRef>
+        </p:style>
+        <p:txBody>
+          <a:bodyPr rtlCol="0" anchor="ctr"/>
+          <a:lstStyle/>
+          <a:p>
+            <a:pPr algn="ctr"/>
+            <a:endParaRPr lang="en-CA"/>
+          </a:p>
+        </p:txBody>
+      </p:sp>
+      <p:sp>
+        <p:nvSpPr>
+          <p:cNvPr id="22" name="Arrow: Down 21">
+            <a:extLst>
+              <a:ext uri="{FF2B5EF4-FFF2-40B4-BE49-F238E27FC236}">
+                <a16:creationId xmlns:a16="http://schemas.microsoft.com/office/drawing/2014/main" id="{DE602C85-83F9-4A26-A4E9-281053A0B00B}"/>
+              </a:ext>
+            </a:extLst>
+          </p:cNvPr>
+          <p:cNvSpPr/>
+          <p:nvPr/>
+        </p:nvSpPr>
+        <p:spPr>
+          <a:xfrm>
+            <a:off x="6812280" y="1801366"/>
+            <a:ext cx="173736" cy="283465"/>
+          </a:xfrm>
+          <a:prstGeom prst="downArrow">
+            <a:avLst/>
+          </a:prstGeom>
+        </p:spPr>
+        <p:style>
+          <a:lnRef idx="2">
+            <a:schemeClr val="accent1">
+              <a:shade val="50000"/>
+            </a:schemeClr>
+          </a:lnRef>
+          <a:fillRef idx="1">
+            <a:schemeClr val="accent1"/>
+          </a:fillRef>
+          <a:effectRef idx="0">
+            <a:schemeClr val="accent1"/>
+          </a:effectRef>
+          <a:fontRef idx="minor">
+            <a:schemeClr val="lt1"/>
+          </a:fontRef>
+        </p:style>
+        <p:txBody>
+          <a:bodyPr rtlCol="0" anchor="ctr"/>
+          <a:lstStyle/>
+          <a:p>
+            <a:pPr algn="ctr"/>
+            <a:endParaRPr lang="en-CA"/>
+          </a:p>
+        </p:txBody>
+      </p:sp>
+      <p:sp>
+        <p:nvSpPr>
+          <p:cNvPr id="23" name="Arrow: Down 22">
+            <a:extLst>
+              <a:ext uri="{FF2B5EF4-FFF2-40B4-BE49-F238E27FC236}">
+                <a16:creationId xmlns:a16="http://schemas.microsoft.com/office/drawing/2014/main" id="{0231CA99-5DBE-46A0-95C5-F0BE00DD502E}"/>
+              </a:ext>
+            </a:extLst>
+          </p:cNvPr>
+          <p:cNvSpPr/>
+          <p:nvPr/>
+        </p:nvSpPr>
+        <p:spPr>
+          <a:xfrm>
+            <a:off x="8130540" y="1810510"/>
+            <a:ext cx="173736" cy="283465"/>
+          </a:xfrm>
+          <a:prstGeom prst="downArrow">
+            <a:avLst/>
+          </a:prstGeom>
+        </p:spPr>
+        <p:style>
+          <a:lnRef idx="2">
+            <a:schemeClr val="accent1">
+              <a:shade val="50000"/>
+            </a:schemeClr>
+          </a:lnRef>
+          <a:fillRef idx="1">
+            <a:schemeClr val="accent1"/>
+          </a:fillRef>
+          <a:effectRef idx="0">
+            <a:schemeClr val="accent1"/>
+          </a:effectRef>
+          <a:fontRef idx="minor">
+            <a:schemeClr val="lt1"/>
+          </a:fontRef>
+        </p:style>
+        <p:txBody>
+          <a:bodyPr rtlCol="0" anchor="ctr"/>
+          <a:lstStyle/>
+          <a:p>
+            <a:pPr algn="ctr"/>
+            <a:endParaRPr lang="en-CA"/>
+          </a:p>
+        </p:txBody>
+      </p:sp>
+      <p:sp>
+        <p:nvSpPr>
+          <p:cNvPr id="24" name="Arrow: Down 23">
+            <a:extLst>
+              <a:ext uri="{FF2B5EF4-FFF2-40B4-BE49-F238E27FC236}">
+                <a16:creationId xmlns:a16="http://schemas.microsoft.com/office/drawing/2014/main" id="{7DC71468-A7D0-4D73-949B-8AB907A26C46}"/>
+              </a:ext>
+            </a:extLst>
+          </p:cNvPr>
+          <p:cNvSpPr/>
+          <p:nvPr/>
+        </p:nvSpPr>
+        <p:spPr>
+          <a:xfrm>
+            <a:off x="9291828" y="1810509"/>
+            <a:ext cx="173736" cy="283465"/>
+          </a:xfrm>
+          <a:prstGeom prst="downArrow">
+            <a:avLst/>
+          </a:prstGeom>
+        </p:spPr>
+        <p:style>
+          <a:lnRef idx="2">
+            <a:schemeClr val="accent1">
+              <a:shade val="50000"/>
+            </a:schemeClr>
+          </a:lnRef>
+          <a:fillRef idx="1">
+            <a:schemeClr val="accent1"/>
+          </a:fillRef>
+          <a:effectRef idx="0">
+            <a:schemeClr val="accent1"/>
+          </a:effectRef>
+          <a:fontRef idx="minor">
+            <a:schemeClr val="lt1"/>
+          </a:fontRef>
+        </p:style>
+        <p:txBody>
+          <a:bodyPr rtlCol="0" anchor="ctr"/>
+          <a:lstStyle/>
+          <a:p>
+            <a:pPr algn="ctr"/>
+            <a:endParaRPr lang="en-CA"/>
+          </a:p>
+        </p:txBody>
+      </p:sp>
+      <p:sp>
+        <p:nvSpPr>
+          <p:cNvPr id="25" name="Arrow: Down 24">
+            <a:extLst>
+              <a:ext uri="{FF2B5EF4-FFF2-40B4-BE49-F238E27FC236}">
+                <a16:creationId xmlns:a16="http://schemas.microsoft.com/office/drawing/2014/main" id="{7BCB14A2-F688-4BED-9036-DFAE34D15D9E}"/>
+              </a:ext>
+            </a:extLst>
+          </p:cNvPr>
+          <p:cNvSpPr/>
+          <p:nvPr/>
+        </p:nvSpPr>
+        <p:spPr>
+          <a:xfrm>
+            <a:off x="10454640" y="1801365"/>
+            <a:ext cx="173736" cy="283465"/>
+          </a:xfrm>
+          <a:prstGeom prst="downArrow">
+            <a:avLst/>
+          </a:prstGeom>
+        </p:spPr>
+        <p:style>
+          <a:lnRef idx="2">
+            <a:schemeClr val="accent1">
+              <a:shade val="50000"/>
+            </a:schemeClr>
+          </a:lnRef>
+          <a:fillRef idx="1">
+            <a:schemeClr val="accent1"/>
+          </a:fillRef>
+          <a:effectRef idx="0">
+            <a:schemeClr val="accent1"/>
+          </a:effectRef>
+          <a:fontRef idx="minor">
+            <a:schemeClr val="lt1"/>
+          </a:fontRef>
+        </p:style>
+        <p:txBody>
+          <a:bodyPr rtlCol="0" anchor="ctr"/>
+          <a:lstStyle/>
+          <a:p>
+            <a:pPr algn="ctr"/>
+            <a:endParaRPr lang="en-CA"/>
+          </a:p>
+        </p:txBody>
+      </p:sp>
+      <p:sp>
+        <p:nvSpPr>
+          <p:cNvPr id="26" name="Rectangle 25">
+            <a:extLst>
+              <a:ext uri="{FF2B5EF4-FFF2-40B4-BE49-F238E27FC236}">
+                <a16:creationId xmlns:a16="http://schemas.microsoft.com/office/drawing/2014/main" id="{D278B49D-0E06-4CD0-853F-33E1E5FC224D}"/>
+              </a:ext>
+            </a:extLst>
+          </p:cNvPr>
+          <p:cNvSpPr/>
+          <p:nvPr/>
+        </p:nvSpPr>
+        <p:spPr>
+          <a:xfrm>
+            <a:off x="435864" y="3310128"/>
+            <a:ext cx="3331464" cy="402336"/>
+          </a:xfrm>
+          <a:prstGeom prst="rect">
+            <a:avLst/>
+          </a:prstGeom>
+        </p:spPr>
+        <p:style>
+          <a:lnRef idx="2">
+            <a:schemeClr val="accent1">
+              <a:shade val="50000"/>
+            </a:schemeClr>
+          </a:lnRef>
+          <a:fillRef idx="1">
+            <a:schemeClr val="accent1"/>
+          </a:fillRef>
+          <a:effectRef idx="0">
+            <a:schemeClr val="accent1"/>
+          </a:effectRef>
+          <a:fontRef idx="minor">
+            <a:schemeClr val="lt1"/>
+          </a:fontRef>
+        </p:style>
+        <p:txBody>
+          <a:bodyPr rtlCol="0" anchor="ctr"/>
+          <a:lstStyle/>
+          <a:p>
+            <a:pPr algn="ctr"/>
+            <a:r>
+              <a:rPr lang="en-CA" dirty="0"/>
+              <a:t>Result Mux</a:t>
+            </a:r>
+          </a:p>
+        </p:txBody>
+      </p:sp>
+      <p:sp>
+        <p:nvSpPr>
+          <p:cNvPr id="27" name="Rectangle 26">
+            <a:extLst>
+              <a:ext uri="{FF2B5EF4-FFF2-40B4-BE49-F238E27FC236}">
+                <a16:creationId xmlns:a16="http://schemas.microsoft.com/office/drawing/2014/main" id="{2CE32FE4-6D49-446F-B7F1-CC0D2190F822}"/>
+              </a:ext>
+            </a:extLst>
+          </p:cNvPr>
+          <p:cNvSpPr/>
+          <p:nvPr/>
+        </p:nvSpPr>
+        <p:spPr>
+          <a:xfrm>
+            <a:off x="4105656" y="3310128"/>
+            <a:ext cx="3331464" cy="402336"/>
+          </a:xfrm>
+          <a:prstGeom prst="rect">
+            <a:avLst/>
+          </a:prstGeom>
+        </p:spPr>
+        <p:style>
+          <a:lnRef idx="2">
+            <a:schemeClr val="accent1">
+              <a:shade val="50000"/>
+            </a:schemeClr>
+          </a:lnRef>
+          <a:fillRef idx="1">
+            <a:schemeClr val="accent1"/>
+          </a:fillRef>
+          <a:effectRef idx="0">
+            <a:schemeClr val="accent1"/>
+          </a:effectRef>
+          <a:fontRef idx="minor">
+            <a:schemeClr val="lt1"/>
+          </a:fontRef>
+        </p:style>
+        <p:txBody>
+          <a:bodyPr rtlCol="0" anchor="ctr"/>
+          <a:lstStyle/>
+          <a:p>
+            <a:pPr algn="ctr"/>
+            <a:r>
+              <a:rPr lang="en-CA" dirty="0"/>
+              <a:t>Result Mux</a:t>
+            </a:r>
+          </a:p>
+        </p:txBody>
+      </p:sp>
+      <p:sp>
+        <p:nvSpPr>
+          <p:cNvPr id="28" name="Rectangle 27">
+            <a:extLst>
+              <a:ext uri="{FF2B5EF4-FFF2-40B4-BE49-F238E27FC236}">
+                <a16:creationId xmlns:a16="http://schemas.microsoft.com/office/drawing/2014/main" id="{7D449437-45D0-4DED-AC2A-16C2C26C6974}"/>
+              </a:ext>
+            </a:extLst>
+          </p:cNvPr>
+          <p:cNvSpPr/>
+          <p:nvPr/>
+        </p:nvSpPr>
+        <p:spPr>
+          <a:xfrm>
+            <a:off x="7773924" y="3310128"/>
+            <a:ext cx="3331464" cy="402336"/>
+          </a:xfrm>
+          <a:prstGeom prst="rect">
+            <a:avLst/>
+          </a:prstGeom>
+        </p:spPr>
+        <p:style>
+          <a:lnRef idx="2">
+            <a:schemeClr val="accent1">
+              <a:shade val="50000"/>
+            </a:schemeClr>
+          </a:lnRef>
+          <a:fillRef idx="1">
+            <a:schemeClr val="accent1"/>
+          </a:fillRef>
+          <a:effectRef idx="0">
+            <a:schemeClr val="accent1"/>
+          </a:effectRef>
+          <a:fontRef idx="minor">
+            <a:schemeClr val="lt1"/>
+          </a:fontRef>
+        </p:style>
+        <p:txBody>
+          <a:bodyPr rtlCol="0" anchor="ctr"/>
+          <a:lstStyle/>
+          <a:p>
+            <a:pPr algn="ctr"/>
+            <a:r>
+              <a:rPr lang="en-CA" dirty="0"/>
+              <a:t>Result Mux</a:t>
+            </a:r>
+          </a:p>
+        </p:txBody>
+      </p:sp>
+      <p:sp>
+        <p:nvSpPr>
+          <p:cNvPr id="29" name="Arrow: Down 28">
+            <a:extLst>
+              <a:ext uri="{FF2B5EF4-FFF2-40B4-BE49-F238E27FC236}">
+                <a16:creationId xmlns:a16="http://schemas.microsoft.com/office/drawing/2014/main" id="{CB735987-52C4-4858-933E-AB05FFFAA39C}"/>
+              </a:ext>
+            </a:extLst>
+          </p:cNvPr>
+          <p:cNvSpPr/>
+          <p:nvPr/>
+        </p:nvSpPr>
+        <p:spPr>
+          <a:xfrm>
+            <a:off x="854202" y="3026663"/>
+            <a:ext cx="173736" cy="283465"/>
+          </a:xfrm>
+          <a:prstGeom prst="downArrow">
+            <a:avLst/>
+          </a:prstGeom>
+        </p:spPr>
+        <p:style>
+          <a:lnRef idx="2">
+            <a:schemeClr val="accent1">
+              <a:shade val="50000"/>
+            </a:schemeClr>
+          </a:lnRef>
+          <a:fillRef idx="1">
+            <a:schemeClr val="accent1"/>
+          </a:fillRef>
+          <a:effectRef idx="0">
+            <a:schemeClr val="accent1"/>
+          </a:effectRef>
+          <a:fontRef idx="minor">
+            <a:schemeClr val="lt1"/>
+          </a:fontRef>
+        </p:style>
+        <p:txBody>
+          <a:bodyPr rtlCol="0" anchor="ctr"/>
+          <a:lstStyle/>
+          <a:p>
+            <a:pPr algn="ctr"/>
+            <a:endParaRPr lang="en-CA"/>
+          </a:p>
+        </p:txBody>
+      </p:sp>
+      <p:sp>
+        <p:nvSpPr>
+          <p:cNvPr id="30" name="Arrow: Down 29">
+            <a:extLst>
+              <a:ext uri="{FF2B5EF4-FFF2-40B4-BE49-F238E27FC236}">
+                <a16:creationId xmlns:a16="http://schemas.microsoft.com/office/drawing/2014/main" id="{0C9938C3-C076-4DD5-9ADC-D8122DC29AFA}"/>
+              </a:ext>
+            </a:extLst>
+          </p:cNvPr>
+          <p:cNvSpPr/>
+          <p:nvPr/>
+        </p:nvSpPr>
+        <p:spPr>
+          <a:xfrm>
+            <a:off x="2014728" y="3017519"/>
+            <a:ext cx="173736" cy="283465"/>
+          </a:xfrm>
+          <a:prstGeom prst="downArrow">
+            <a:avLst/>
+          </a:prstGeom>
+        </p:spPr>
+        <p:style>
+          <a:lnRef idx="2">
+            <a:schemeClr val="accent1">
+              <a:shade val="50000"/>
+            </a:schemeClr>
+          </a:lnRef>
+          <a:fillRef idx="1">
+            <a:schemeClr val="accent1"/>
+          </a:fillRef>
+          <a:effectRef idx="0">
+            <a:schemeClr val="accent1"/>
+          </a:effectRef>
+          <a:fontRef idx="minor">
+            <a:schemeClr val="lt1"/>
+          </a:fontRef>
+        </p:style>
+        <p:txBody>
+          <a:bodyPr rtlCol="0" anchor="ctr"/>
+          <a:lstStyle/>
+          <a:p>
+            <a:pPr algn="ctr"/>
+            <a:endParaRPr lang="en-CA"/>
+          </a:p>
+        </p:txBody>
+      </p:sp>
+      <p:sp>
+        <p:nvSpPr>
+          <p:cNvPr id="31" name="Arrow: Down 30">
+            <a:extLst>
+              <a:ext uri="{FF2B5EF4-FFF2-40B4-BE49-F238E27FC236}">
+                <a16:creationId xmlns:a16="http://schemas.microsoft.com/office/drawing/2014/main" id="{912A11BA-7FC2-4435-9F0B-08E46DA26276}"/>
+              </a:ext>
+            </a:extLst>
+          </p:cNvPr>
+          <p:cNvSpPr/>
+          <p:nvPr/>
+        </p:nvSpPr>
+        <p:spPr>
+          <a:xfrm>
+            <a:off x="3175254" y="3026662"/>
+            <a:ext cx="173736" cy="283465"/>
+          </a:xfrm>
+          <a:prstGeom prst="downArrow">
+            <a:avLst/>
+          </a:prstGeom>
+        </p:spPr>
+        <p:style>
+          <a:lnRef idx="2">
+            <a:schemeClr val="accent1">
+              <a:shade val="50000"/>
+            </a:schemeClr>
+          </a:lnRef>
+          <a:fillRef idx="1">
+            <a:schemeClr val="accent1"/>
+          </a:fillRef>
+          <a:effectRef idx="0">
+            <a:schemeClr val="accent1"/>
+          </a:effectRef>
+          <a:fontRef idx="minor">
+            <a:schemeClr val="lt1"/>
+          </a:fontRef>
+        </p:style>
+        <p:txBody>
+          <a:bodyPr rtlCol="0" anchor="ctr"/>
+          <a:lstStyle/>
+          <a:p>
+            <a:pPr algn="ctr"/>
+            <a:endParaRPr lang="en-CA"/>
+          </a:p>
+        </p:txBody>
+      </p:sp>
+      <p:sp>
+        <p:nvSpPr>
+          <p:cNvPr id="32" name="Arrow: Down 31">
+            <a:extLst>
+              <a:ext uri="{FF2B5EF4-FFF2-40B4-BE49-F238E27FC236}">
+                <a16:creationId xmlns:a16="http://schemas.microsoft.com/office/drawing/2014/main" id="{A8F9C485-A350-4049-8F30-86888E30C441}"/>
+              </a:ext>
+            </a:extLst>
+          </p:cNvPr>
+          <p:cNvSpPr/>
+          <p:nvPr/>
+        </p:nvSpPr>
+        <p:spPr>
+          <a:xfrm>
+            <a:off x="4489704" y="3017518"/>
+            <a:ext cx="173736" cy="283465"/>
+          </a:xfrm>
+          <a:prstGeom prst="downArrow">
+            <a:avLst/>
+          </a:prstGeom>
+        </p:spPr>
+        <p:style>
+          <a:lnRef idx="2">
+            <a:schemeClr val="accent1">
+              <a:shade val="50000"/>
+            </a:schemeClr>
+          </a:lnRef>
+          <a:fillRef idx="1">
+            <a:schemeClr val="accent1"/>
+          </a:fillRef>
+          <a:effectRef idx="0">
+            <a:schemeClr val="accent1"/>
+          </a:effectRef>
+          <a:fontRef idx="minor">
+            <a:schemeClr val="lt1"/>
+          </a:fontRef>
+        </p:style>
+        <p:txBody>
+          <a:bodyPr rtlCol="0" anchor="ctr"/>
+          <a:lstStyle/>
+          <a:p>
+            <a:pPr algn="ctr"/>
+            <a:endParaRPr lang="en-CA"/>
+          </a:p>
+        </p:txBody>
+      </p:sp>
+      <p:sp>
+        <p:nvSpPr>
+          <p:cNvPr id="33" name="Arrow: Down 32">
+            <a:extLst>
+              <a:ext uri="{FF2B5EF4-FFF2-40B4-BE49-F238E27FC236}">
+                <a16:creationId xmlns:a16="http://schemas.microsoft.com/office/drawing/2014/main" id="{08A74155-493D-4336-8AC3-D4FD4216F4FC}"/>
+              </a:ext>
+            </a:extLst>
+          </p:cNvPr>
+          <p:cNvSpPr/>
+          <p:nvPr/>
+        </p:nvSpPr>
+        <p:spPr>
+          <a:xfrm>
+            <a:off x="5660136" y="3008376"/>
+            <a:ext cx="173736" cy="283465"/>
+          </a:xfrm>
+          <a:prstGeom prst="downArrow">
+            <a:avLst/>
+          </a:prstGeom>
+        </p:spPr>
+        <p:style>
+          <a:lnRef idx="2">
+            <a:schemeClr val="accent1">
+              <a:shade val="50000"/>
+            </a:schemeClr>
+          </a:lnRef>
+          <a:fillRef idx="1">
+            <a:schemeClr val="accent1"/>
+          </a:fillRef>
+          <a:effectRef idx="0">
+            <a:schemeClr val="accent1"/>
+          </a:effectRef>
+          <a:fontRef idx="minor">
+            <a:schemeClr val="lt1"/>
+          </a:fontRef>
+        </p:style>
+        <p:txBody>
+          <a:bodyPr rtlCol="0" anchor="ctr"/>
+          <a:lstStyle/>
+          <a:p>
+            <a:pPr algn="ctr"/>
+            <a:endParaRPr lang="en-CA"/>
+          </a:p>
+        </p:txBody>
+      </p:sp>
+      <p:sp>
+        <p:nvSpPr>
+          <p:cNvPr id="34" name="Arrow: Down 33">
+            <a:extLst>
+              <a:ext uri="{FF2B5EF4-FFF2-40B4-BE49-F238E27FC236}">
+                <a16:creationId xmlns:a16="http://schemas.microsoft.com/office/drawing/2014/main" id="{ECF0F24F-8FB4-4735-9CC3-C40E48F25482}"/>
+              </a:ext>
+            </a:extLst>
+          </p:cNvPr>
+          <p:cNvSpPr/>
+          <p:nvPr/>
+        </p:nvSpPr>
+        <p:spPr>
+          <a:xfrm>
+            <a:off x="6835902" y="3008375"/>
+            <a:ext cx="173736" cy="283465"/>
+          </a:xfrm>
+          <a:prstGeom prst="downArrow">
+            <a:avLst/>
+          </a:prstGeom>
+        </p:spPr>
+        <p:style>
+          <a:lnRef idx="2">
+            <a:schemeClr val="accent1">
+              <a:shade val="50000"/>
+            </a:schemeClr>
+          </a:lnRef>
+          <a:fillRef idx="1">
+            <a:schemeClr val="accent1"/>
+          </a:fillRef>
+          <a:effectRef idx="0">
+            <a:schemeClr val="accent1"/>
+          </a:effectRef>
+          <a:fontRef idx="minor">
+            <a:schemeClr val="lt1"/>
+          </a:fontRef>
+        </p:style>
+        <p:txBody>
+          <a:bodyPr rtlCol="0" anchor="ctr"/>
+          <a:lstStyle/>
+          <a:p>
+            <a:pPr algn="ctr"/>
+            <a:endParaRPr lang="en-CA"/>
+          </a:p>
+        </p:txBody>
+      </p:sp>
+      <p:sp>
+        <p:nvSpPr>
+          <p:cNvPr id="35" name="Arrow: Down 34">
+            <a:extLst>
+              <a:ext uri="{FF2B5EF4-FFF2-40B4-BE49-F238E27FC236}">
+                <a16:creationId xmlns:a16="http://schemas.microsoft.com/office/drawing/2014/main" id="{6DB387D9-1895-42D2-89F9-2016202E489D}"/>
+              </a:ext>
+            </a:extLst>
+          </p:cNvPr>
+          <p:cNvSpPr/>
+          <p:nvPr/>
+        </p:nvSpPr>
+        <p:spPr>
+          <a:xfrm>
+            <a:off x="8134350" y="3026662"/>
+            <a:ext cx="173736" cy="283465"/>
+          </a:xfrm>
+          <a:prstGeom prst="downArrow">
+            <a:avLst/>
+          </a:prstGeom>
+        </p:spPr>
+        <p:style>
+          <a:lnRef idx="2">
+            <a:schemeClr val="accent1">
+              <a:shade val="50000"/>
+            </a:schemeClr>
+          </a:lnRef>
+          <a:fillRef idx="1">
+            <a:schemeClr val="accent1"/>
+          </a:fillRef>
+          <a:effectRef idx="0">
+            <a:schemeClr val="accent1"/>
+          </a:effectRef>
+          <a:fontRef idx="minor">
+            <a:schemeClr val="lt1"/>
+          </a:fontRef>
+        </p:style>
+        <p:txBody>
+          <a:bodyPr rtlCol="0" anchor="ctr"/>
+          <a:lstStyle/>
+          <a:p>
+            <a:pPr algn="ctr"/>
+            <a:endParaRPr lang="en-CA"/>
+          </a:p>
+        </p:txBody>
+      </p:sp>
+      <p:sp>
+        <p:nvSpPr>
+          <p:cNvPr id="36" name="Arrow: Down 35">
+            <a:extLst>
+              <a:ext uri="{FF2B5EF4-FFF2-40B4-BE49-F238E27FC236}">
+                <a16:creationId xmlns:a16="http://schemas.microsoft.com/office/drawing/2014/main" id="{9F78D0F4-5656-4D42-BEB2-525DE8E2B3E8}"/>
+              </a:ext>
+            </a:extLst>
+          </p:cNvPr>
+          <p:cNvSpPr/>
+          <p:nvPr/>
+        </p:nvSpPr>
+        <p:spPr>
+          <a:xfrm>
+            <a:off x="9329928" y="3017517"/>
+            <a:ext cx="173736" cy="283465"/>
+          </a:xfrm>
+          <a:prstGeom prst="downArrow">
+            <a:avLst/>
+          </a:prstGeom>
+        </p:spPr>
+        <p:style>
+          <a:lnRef idx="2">
+            <a:schemeClr val="accent1">
+              <a:shade val="50000"/>
+            </a:schemeClr>
+          </a:lnRef>
+          <a:fillRef idx="1">
+            <a:schemeClr val="accent1"/>
+          </a:fillRef>
+          <a:effectRef idx="0">
+            <a:schemeClr val="accent1"/>
+          </a:effectRef>
+          <a:fontRef idx="minor">
+            <a:schemeClr val="lt1"/>
+          </a:fontRef>
+        </p:style>
+        <p:txBody>
+          <a:bodyPr rtlCol="0" anchor="ctr"/>
+          <a:lstStyle/>
+          <a:p>
+            <a:pPr algn="ctr"/>
+            <a:endParaRPr lang="en-CA"/>
+          </a:p>
+        </p:txBody>
+      </p:sp>
+      <p:sp>
+        <p:nvSpPr>
+          <p:cNvPr id="37" name="Arrow: Down 36">
+            <a:extLst>
+              <a:ext uri="{FF2B5EF4-FFF2-40B4-BE49-F238E27FC236}">
+                <a16:creationId xmlns:a16="http://schemas.microsoft.com/office/drawing/2014/main" id="{D8678460-0515-45FF-9209-BE2EB6ACFE10}"/>
+              </a:ext>
+            </a:extLst>
+          </p:cNvPr>
+          <p:cNvSpPr/>
+          <p:nvPr/>
+        </p:nvSpPr>
+        <p:spPr>
+          <a:xfrm>
+            <a:off x="10491216" y="3026660"/>
+            <a:ext cx="173736" cy="283465"/>
+          </a:xfrm>
+          <a:prstGeom prst="downArrow">
+            <a:avLst/>
+          </a:prstGeom>
+        </p:spPr>
+        <p:style>
+          <a:lnRef idx="2">
+            <a:schemeClr val="accent1">
+              <a:shade val="50000"/>
+            </a:schemeClr>
+          </a:lnRef>
+          <a:fillRef idx="1">
+            <a:schemeClr val="accent1"/>
+          </a:fillRef>
+          <a:effectRef idx="0">
+            <a:schemeClr val="accent1"/>
+          </a:effectRef>
+          <a:fontRef idx="minor">
+            <a:schemeClr val="lt1"/>
+          </a:fontRef>
+        </p:style>
+        <p:txBody>
+          <a:bodyPr rtlCol="0" anchor="ctr"/>
+          <a:lstStyle/>
+          <a:p>
+            <a:pPr algn="ctr"/>
+            <a:endParaRPr lang="en-CA"/>
+          </a:p>
+        </p:txBody>
+      </p:sp>
+      <p:sp>
+        <p:nvSpPr>
+          <p:cNvPr id="38" name="Rectangle 37">
+            <a:extLst>
+              <a:ext uri="{FF2B5EF4-FFF2-40B4-BE49-F238E27FC236}">
+                <a16:creationId xmlns:a16="http://schemas.microsoft.com/office/drawing/2014/main" id="{B43C57C1-5504-4C18-AB01-9F026A719935}"/>
+              </a:ext>
+            </a:extLst>
+          </p:cNvPr>
+          <p:cNvSpPr/>
+          <p:nvPr/>
+        </p:nvSpPr>
+        <p:spPr>
+          <a:xfrm>
+            <a:off x="435864" y="4014216"/>
+            <a:ext cx="10669524" cy="402336"/>
+          </a:xfrm>
+          <a:prstGeom prst="rect">
+            <a:avLst/>
+          </a:prstGeom>
+        </p:spPr>
+        <p:style>
+          <a:lnRef idx="2">
+            <a:schemeClr val="accent1">
+              <a:shade val="50000"/>
+            </a:schemeClr>
+          </a:lnRef>
+          <a:fillRef idx="1">
+            <a:schemeClr val="accent1"/>
+          </a:fillRef>
+          <a:effectRef idx="0">
+            <a:schemeClr val="accent1"/>
+          </a:effectRef>
+          <a:fontRef idx="minor">
+            <a:schemeClr val="lt1"/>
+          </a:fontRef>
+        </p:style>
+        <p:txBody>
+          <a:bodyPr rtlCol="0" anchor="ctr"/>
+          <a:lstStyle/>
+          <a:p>
+            <a:pPr algn="ctr"/>
+            <a:r>
+              <a:rPr lang="en-CA" dirty="0"/>
+              <a:t>Register File</a:t>
+            </a:r>
+          </a:p>
+        </p:txBody>
+      </p:sp>
+      <p:sp>
+        <p:nvSpPr>
+          <p:cNvPr id="39" name="Arrow: Down 38">
+            <a:extLst>
+              <a:ext uri="{FF2B5EF4-FFF2-40B4-BE49-F238E27FC236}">
+                <a16:creationId xmlns:a16="http://schemas.microsoft.com/office/drawing/2014/main" id="{32564C1A-2A93-4633-BA76-0A57B489B725}"/>
+              </a:ext>
+            </a:extLst>
+          </p:cNvPr>
+          <p:cNvSpPr/>
+          <p:nvPr/>
+        </p:nvSpPr>
+        <p:spPr>
+          <a:xfrm>
+            <a:off x="2014728" y="3730751"/>
+            <a:ext cx="173736" cy="283465"/>
+          </a:xfrm>
+          <a:prstGeom prst="downArrow">
+            <a:avLst/>
+          </a:prstGeom>
+        </p:spPr>
+        <p:style>
+          <a:lnRef idx="2">
+            <a:schemeClr val="accent1">
+              <a:shade val="50000"/>
+            </a:schemeClr>
+          </a:lnRef>
+          <a:fillRef idx="1">
+            <a:schemeClr val="accent1"/>
+          </a:fillRef>
+          <a:effectRef idx="0">
+            <a:schemeClr val="accent1"/>
+          </a:effectRef>
+          <a:fontRef idx="minor">
+            <a:schemeClr val="lt1"/>
+          </a:fontRef>
+        </p:style>
+        <p:txBody>
+          <a:bodyPr rtlCol="0" anchor="ctr"/>
+          <a:lstStyle/>
+          <a:p>
+            <a:pPr algn="ctr"/>
+            <a:endParaRPr lang="en-CA"/>
+          </a:p>
+        </p:txBody>
+      </p:sp>
+      <p:sp>
+        <p:nvSpPr>
+          <p:cNvPr id="40" name="Arrow: Down 39">
+            <a:extLst>
+              <a:ext uri="{FF2B5EF4-FFF2-40B4-BE49-F238E27FC236}">
+                <a16:creationId xmlns:a16="http://schemas.microsoft.com/office/drawing/2014/main" id="{AF696024-EE76-42C1-87C1-2B778168D7DC}"/>
+              </a:ext>
+            </a:extLst>
+          </p:cNvPr>
+          <p:cNvSpPr/>
+          <p:nvPr/>
+        </p:nvSpPr>
+        <p:spPr>
+          <a:xfrm>
+            <a:off x="5683758" y="3717034"/>
+            <a:ext cx="173736" cy="283465"/>
+          </a:xfrm>
+          <a:prstGeom prst="downArrow">
+            <a:avLst/>
+          </a:prstGeom>
+        </p:spPr>
+        <p:style>
+          <a:lnRef idx="2">
+            <a:schemeClr val="accent1">
+              <a:shade val="50000"/>
+            </a:schemeClr>
+          </a:lnRef>
+          <a:fillRef idx="1">
+            <a:schemeClr val="accent1"/>
+          </a:fillRef>
+          <a:effectRef idx="0">
+            <a:schemeClr val="accent1"/>
+          </a:effectRef>
+          <a:fontRef idx="minor">
+            <a:schemeClr val="lt1"/>
+          </a:fontRef>
+        </p:style>
+        <p:txBody>
+          <a:bodyPr rtlCol="0" anchor="ctr"/>
+          <a:lstStyle/>
+          <a:p>
+            <a:pPr algn="ctr"/>
+            <a:endParaRPr lang="en-CA"/>
+          </a:p>
+        </p:txBody>
+      </p:sp>
+      <p:sp>
+        <p:nvSpPr>
+          <p:cNvPr id="41" name="Arrow: Down 40">
+            <a:extLst>
+              <a:ext uri="{FF2B5EF4-FFF2-40B4-BE49-F238E27FC236}">
+                <a16:creationId xmlns:a16="http://schemas.microsoft.com/office/drawing/2014/main" id="{DE2E4D3C-6EA8-4961-9F74-F987B98F7FD6}"/>
+              </a:ext>
+            </a:extLst>
+          </p:cNvPr>
+          <p:cNvSpPr/>
+          <p:nvPr/>
+        </p:nvSpPr>
+        <p:spPr>
+          <a:xfrm>
+            <a:off x="9384792" y="3712464"/>
+            <a:ext cx="173736" cy="283465"/>
+          </a:xfrm>
+          <a:prstGeom prst="downArrow">
+            <a:avLst/>
+          </a:prstGeom>
+        </p:spPr>
+        <p:style>
+          <a:lnRef idx="2">
+            <a:schemeClr val="accent1">
+              <a:shade val="50000"/>
+            </a:schemeClr>
+          </a:lnRef>
+          <a:fillRef idx="1">
+            <a:schemeClr val="accent1"/>
+          </a:fillRef>
+          <a:effectRef idx="0">
+            <a:schemeClr val="accent1"/>
+          </a:effectRef>
+          <a:fontRef idx="minor">
+            <a:schemeClr val="lt1"/>
+          </a:fontRef>
+        </p:style>
+        <p:txBody>
+          <a:bodyPr rtlCol="0" anchor="ctr"/>
+          <a:lstStyle/>
+          <a:p>
+            <a:pPr algn="ctr"/>
+            <a:endParaRPr lang="en-CA"/>
+          </a:p>
+        </p:txBody>
+      </p:sp>
+    </p:spTree>
+    <p:extLst>
+      <p:ext uri="{BB962C8B-B14F-4D97-AF65-F5344CB8AC3E}">
+        <p14:creationId xmlns:p14="http://schemas.microsoft.com/office/powerpoint/2010/main" val="547364459"/>
+      </p:ext>
+    </p:extLst>
+  </p:cSld>
+  <p:clrMapOvr>
+    <a:masterClrMapping/>
+  </p:clrMapOvr>
+</p:sld>
+</file>
+
 <file path=ppt/theme/theme1.xml><?xml version="1.0" encoding="utf-8"?>
 <a:theme xmlns:a="http://schemas.openxmlformats.org/drawingml/2006/main" name="Office Theme">
   <a:themeElements>
